--- a/3d models/ppt/__Aflame.pptx
+++ b/3d models/ppt/__Aflame.pptx
@@ -5,11 +5,17 @@
     <p:sldMasterId id="2147483660" r:id="rId1"/>
   </p:sldMasterIdLst>
   <p:notesMasterIdLst>
-    <p:notesMasterId r:id="rId4"/>
+    <p:notesMasterId r:id="rId10"/>
   </p:notesMasterIdLst>
   <p:sldIdLst>
     <p:sldId id="256" r:id="rId2"/>
     <p:sldId id="257" r:id="rId3"/>
+    <p:sldId id="258" r:id="rId4"/>
+    <p:sldId id="259" r:id="rId5"/>
+    <p:sldId id="260" r:id="rId6"/>
+    <p:sldId id="261" r:id="rId7"/>
+    <p:sldId id="262" r:id="rId8"/>
+    <p:sldId id="263" r:id="rId9"/>
   </p:sldIdLst>
   <p:sldSz cx="1800225" cy="1800225"/>
   <p:notesSz cx="6858000" cy="9144000"/>
@@ -198,7 +204,7 @@
           <a:p>
             <a:fld id="{E5742A41-E671-4430-BD11-9C70C9E0B339}" type="datetimeFigureOut">
               <a:rPr lang="en-CA" smtClean="0"/>
-              <a:t>2025-05-17</a:t>
+              <a:t>2025-05-18</a:t>
             </a:fld>
             <a:endParaRPr lang="en-CA"/>
           </a:p>
@@ -597,7 +603,7 @@
           <a:p>
             <a:fld id="{E174D934-5F45-4F20-9FDF-AE6396442B39}" type="datetimeFigureOut">
               <a:rPr lang="en-CA" smtClean="0"/>
-              <a:t>2025-05-17</a:t>
+              <a:t>2025-05-18</a:t>
             </a:fld>
             <a:endParaRPr lang="en-CA"/>
           </a:p>
@@ -767,7 +773,7 @@
           <a:p>
             <a:fld id="{E174D934-5F45-4F20-9FDF-AE6396442B39}" type="datetimeFigureOut">
               <a:rPr lang="en-CA" smtClean="0"/>
-              <a:t>2025-05-17</a:t>
+              <a:t>2025-05-18</a:t>
             </a:fld>
             <a:endParaRPr lang="en-CA"/>
           </a:p>
@@ -947,7 +953,7 @@
           <a:p>
             <a:fld id="{E174D934-5F45-4F20-9FDF-AE6396442B39}" type="datetimeFigureOut">
               <a:rPr lang="en-CA" smtClean="0"/>
-              <a:t>2025-05-17</a:t>
+              <a:t>2025-05-18</a:t>
             </a:fld>
             <a:endParaRPr lang="en-CA"/>
           </a:p>
@@ -1117,7 +1123,7 @@
           <a:p>
             <a:fld id="{E174D934-5F45-4F20-9FDF-AE6396442B39}" type="datetimeFigureOut">
               <a:rPr lang="en-CA" smtClean="0"/>
-              <a:t>2025-05-17</a:t>
+              <a:t>2025-05-18</a:t>
             </a:fld>
             <a:endParaRPr lang="en-CA"/>
           </a:p>
@@ -1363,7 +1369,7 @@
           <a:p>
             <a:fld id="{E174D934-5F45-4F20-9FDF-AE6396442B39}" type="datetimeFigureOut">
               <a:rPr lang="en-CA" smtClean="0"/>
-              <a:t>2025-05-17</a:t>
+              <a:t>2025-05-18</a:t>
             </a:fld>
             <a:endParaRPr lang="en-CA"/>
           </a:p>
@@ -1595,7 +1601,7 @@
           <a:p>
             <a:fld id="{E174D934-5F45-4F20-9FDF-AE6396442B39}" type="datetimeFigureOut">
               <a:rPr lang="en-CA" smtClean="0"/>
-              <a:t>2025-05-17</a:t>
+              <a:t>2025-05-18</a:t>
             </a:fld>
             <a:endParaRPr lang="en-CA"/>
           </a:p>
@@ -1962,7 +1968,7 @@
           <a:p>
             <a:fld id="{E174D934-5F45-4F20-9FDF-AE6396442B39}" type="datetimeFigureOut">
               <a:rPr lang="en-CA" smtClean="0"/>
-              <a:t>2025-05-17</a:t>
+              <a:t>2025-05-18</a:t>
             </a:fld>
             <a:endParaRPr lang="en-CA"/>
           </a:p>
@@ -2080,7 +2086,7 @@
           <a:p>
             <a:fld id="{E174D934-5F45-4F20-9FDF-AE6396442B39}" type="datetimeFigureOut">
               <a:rPr lang="en-CA" smtClean="0"/>
-              <a:t>2025-05-17</a:t>
+              <a:t>2025-05-18</a:t>
             </a:fld>
             <a:endParaRPr lang="en-CA"/>
           </a:p>
@@ -2175,7 +2181,7 @@
           <a:p>
             <a:fld id="{E174D934-5F45-4F20-9FDF-AE6396442B39}" type="datetimeFigureOut">
               <a:rPr lang="en-CA" smtClean="0"/>
-              <a:t>2025-05-17</a:t>
+              <a:t>2025-05-18</a:t>
             </a:fld>
             <a:endParaRPr lang="en-CA"/>
           </a:p>
@@ -2452,7 +2458,7 @@
           <a:p>
             <a:fld id="{E174D934-5F45-4F20-9FDF-AE6396442B39}" type="datetimeFigureOut">
               <a:rPr lang="en-CA" smtClean="0"/>
-              <a:t>2025-05-17</a:t>
+              <a:t>2025-05-18</a:t>
             </a:fld>
             <a:endParaRPr lang="en-CA"/>
           </a:p>
@@ -2709,7 +2715,7 @@
           <a:p>
             <a:fld id="{E174D934-5F45-4F20-9FDF-AE6396442B39}" type="datetimeFigureOut">
               <a:rPr lang="en-CA" smtClean="0"/>
-              <a:t>2025-05-17</a:t>
+              <a:t>2025-05-18</a:t>
             </a:fld>
             <a:endParaRPr lang="en-CA"/>
           </a:p>
@@ -2922,7 +2928,7 @@
           <a:p>
             <a:fld id="{E174D934-5F45-4F20-9FDF-AE6396442B39}" type="datetimeFigureOut">
               <a:rPr lang="en-CA" smtClean="0"/>
-              <a:t>2025-05-17</a:t>
+              <a:t>2025-05-18</a:t>
             </a:fld>
             <a:endParaRPr lang="en-CA"/>
           </a:p>
@@ -3374,7 +3380,7 @@
       </p:pic>
       <p:pic>
         <p:nvPicPr>
-          <p:cNvPr id="3" name="Picture 2">
+          <p:cNvPr id="3" name="gray">
             <a:extLst>
               <a:ext uri="{FF2B5EF4-FFF2-40B4-BE49-F238E27FC236}">
                 <a16:creationId xmlns:a16="http://schemas.microsoft.com/office/drawing/2014/main" id="{EDD58BFB-01FF-4036-1057-7FB5E41A364D}"/>
@@ -3394,14 +3400,13 @@
               </a:ext>
             </a:extLst>
           </a:blip>
-          <a:stretch>
-            <a:fillRect/>
-          </a:stretch>
+          <a:srcRect t="4699" b="4699"/>
+          <a:stretch/>
         </p:blipFill>
         <p:spPr>
           <a:xfrm>
             <a:off x="52732" y="213190"/>
-            <a:ext cx="276225" cy="323850"/>
+            <a:ext cx="274955" cy="323850"/>
           </a:xfrm>
           <a:prstGeom prst="ellipse">
             <a:avLst/>
@@ -3605,7 +3610,13 @@
   <p:cSld>
     <p:spTree>
       <p:nvGrpSpPr>
-        <p:cNvPr id="1" name=""/>
+        <p:cNvPr id="1" name="">
+          <a:extLst>
+            <a:ext uri="{FF2B5EF4-FFF2-40B4-BE49-F238E27FC236}">
+              <a16:creationId xmlns:a16="http://schemas.microsoft.com/office/drawing/2014/main" id="{A9E3A0E1-5EF8-0B8F-D8C3-E777A676A26F}"/>
+            </a:ext>
+          </a:extLst>
+        </p:cNvPr>
         <p:cNvGrpSpPr/>
         <p:nvPr/>
       </p:nvGrpSpPr>
@@ -3619,10 +3630,10 @@
       </p:grpSpPr>
       <p:pic>
         <p:nvPicPr>
-          <p:cNvPr id="1027" name="Picture 3">
+          <p:cNvPr id="1029" name="Picture 5">
             <a:extLst>
               <a:ext uri="{FF2B5EF4-FFF2-40B4-BE49-F238E27FC236}">
-                <a16:creationId xmlns:a16="http://schemas.microsoft.com/office/drawing/2014/main" id="{756A996B-2BCD-C429-31B6-1C4F5A55A75A}"/>
+                <a16:creationId xmlns:a16="http://schemas.microsoft.com/office/drawing/2014/main" id="{0ACE3EA5-E80B-D5DA-FC8E-6A5EC6129E36}"/>
               </a:ext>
             </a:extLst>
           </p:cNvPr>
@@ -3631,7 +3642,7 @@
           </p:cNvPicPr>
           <p:nvPr/>
         </p:nvPicPr>
-        <p:blipFill>
+        <p:blipFill rotWithShape="1">
           <a:blip r:embed="rId2">
             <a:extLst>
               <a:ext uri="{28A0092B-C50C-407E-A947-70E740481C1C}">
@@ -3639,17 +3650,103 @@
               </a:ext>
             </a:extLst>
           </a:blip>
-          <a:srcRect/>
-          <a:stretch>
-            <a:fillRect/>
-          </a:stretch>
+          <a:srcRect b="25035"/>
+          <a:stretch/>
         </p:blipFill>
         <p:spPr bwMode="auto">
           <a:xfrm>
-            <a:off x="0" y="184943"/>
-            <a:ext cx="1430338" cy="1430338"/>
+            <a:off x="-198178" y="-66085"/>
+            <a:ext cx="804538" cy="603125"/>
           </a:xfrm>
-          <a:prstGeom prst="rect">
+          <a:prstGeom prst="ellipse">
+            <a:avLst/>
+          </a:prstGeom>
+          <a:noFill/>
+          <a:extLst>
+            <a:ext uri="{909E8E84-426E-40DD-AFC4-6F175D3DCCD1}">
+              <a14:hiddenFill xmlns:a14="http://schemas.microsoft.com/office/drawing/2010/main">
+                <a:solidFill>
+                  <a:srgbClr val="FFFFFF"/>
+                </a:solidFill>
+              </a14:hiddenFill>
+            </a:ext>
+          </a:extLst>
+        </p:spPr>
+      </p:pic>
+      <p:pic>
+        <p:nvPicPr>
+          <p:cNvPr id="3" name="green">
+            <a:extLst>
+              <a:ext uri="{FF2B5EF4-FFF2-40B4-BE49-F238E27FC236}">
+                <a16:creationId xmlns:a16="http://schemas.microsoft.com/office/drawing/2014/main" id="{C4F5DCC2-3069-D219-D0B1-D60D434D0E66}"/>
+              </a:ext>
+            </a:extLst>
+          </p:cNvPr>
+          <p:cNvPicPr>
+            <a:picLocks noChangeAspect="1"/>
+          </p:cNvPicPr>
+          <p:nvPr/>
+        </p:nvPicPr>
+        <p:blipFill>
+          <a:blip r:embed="rId3">
+            <a:extLst>
+              <a:ext uri="{28A0092B-C50C-407E-A947-70E740481C1C}">
+                <a14:useLocalDpi xmlns:a14="http://schemas.microsoft.com/office/drawing/2010/main" val="0"/>
+              </a:ext>
+            </a:extLst>
+          </a:blip>
+          <a:srcRect t="4699" b="4699"/>
+          <a:stretch/>
+        </p:blipFill>
+        <p:spPr>
+          <a:xfrm>
+            <a:off x="52732" y="213190"/>
+            <a:ext cx="274955" cy="323850"/>
+          </a:xfrm>
+          <a:prstGeom prst="ellipse">
+            <a:avLst/>
+          </a:prstGeom>
+        </p:spPr>
+      </p:pic>
+      <p:pic>
+        <p:nvPicPr>
+          <p:cNvPr id="7" name="3">
+            <a:extLst>
+              <a:ext uri="{FF2B5EF4-FFF2-40B4-BE49-F238E27FC236}">
+                <a16:creationId xmlns:a16="http://schemas.microsoft.com/office/drawing/2014/main" id="{AB4BD7D6-F749-BFA5-899C-0CE592FC18C4}"/>
+              </a:ext>
+            </a:extLst>
+          </p:cNvPr>
+          <p:cNvPicPr>
+            <a:picLocks noChangeAspect="1" noChangeArrowheads="1"/>
+          </p:cNvPicPr>
+          <p:nvPr/>
+        </p:nvPicPr>
+        <p:blipFill rotWithShape="1">
+          <a:blip r:embed="rId2">
+            <a:alphaModFix amt="70000"/>
+            <a:duotone>
+              <a:schemeClr val="accent2">
+                <a:shade val="45000"/>
+                <a:satMod val="135000"/>
+              </a:schemeClr>
+              <a:prstClr val="white"/>
+            </a:duotone>
+            <a:extLst>
+              <a:ext uri="{28A0092B-C50C-407E-A947-70E740481C1C}">
+                <a14:useLocalDpi xmlns:a14="http://schemas.microsoft.com/office/drawing/2010/main" val="0"/>
+              </a:ext>
+            </a:extLst>
+          </a:blip>
+          <a:srcRect b="25035"/>
+          <a:stretch/>
+        </p:blipFill>
+        <p:spPr bwMode="auto">
+          <a:xfrm flipH="1">
+            <a:off x="-62582" y="127834"/>
+            <a:ext cx="545858" cy="409205"/>
+          </a:xfrm>
+          <a:prstGeom prst="ellipse">
             <a:avLst/>
           </a:prstGeom>
           <a:noFill/>
@@ -3667,13 +3764,1909 @@
     </p:spTree>
     <p:extLst>
       <p:ext uri="{BB962C8B-B14F-4D97-AF65-F5344CB8AC3E}">
-        <p14:creationId xmlns:p14="http://schemas.microsoft.com/office/powerpoint/2010/main" val="2055963985"/>
+        <p14:creationId xmlns:p14="http://schemas.microsoft.com/office/powerpoint/2010/main" val="1011015491"/>
       </p:ext>
     </p:extLst>
   </p:cSld>
   <p:clrMapOvr>
     <a:masterClrMapping/>
   </p:clrMapOvr>
+  <mc:AlternateContent xmlns:mc="http://schemas.openxmlformats.org/markup-compatibility/2006" xmlns:p14="http://schemas.microsoft.com/office/powerpoint/2010/main">
+    <mc:Choice Requires="p14">
+      <p:transition spd="slow" p14:dur="3000"/>
+    </mc:Choice>
+    <mc:Fallback xmlns="">
+      <p:transition spd="slow"/>
+    </mc:Fallback>
+  </mc:AlternateContent>
+  <p:timing>
+    <p:tnLst>
+      <p:par>
+        <p:cTn id="1" dur="indefinite" restart="never" nodeType="tmRoot">
+          <p:childTnLst>
+            <p:seq concurrent="1" nextAc="seek">
+              <p:cTn id="2" dur="indefinite" nodeType="mainSeq">
+                <p:childTnLst>
+                  <p:par>
+                    <p:cTn id="3" fill="hold">
+                      <p:stCondLst>
+                        <p:cond delay="indefinite"/>
+                      </p:stCondLst>
+                      <p:childTnLst>
+                        <p:par>
+                          <p:cTn id="4" fill="hold">
+                            <p:stCondLst>
+                              <p:cond delay="0"/>
+                            </p:stCondLst>
+                            <p:childTnLst>
+                              <p:par>
+                                <p:cTn id="5" presetID="6" presetClass="entr" presetSubtype="16" fill="hold" nodeType="clickEffect">
+                                  <p:stCondLst>
+                                    <p:cond delay="0"/>
+                                  </p:stCondLst>
+                                  <p:childTnLst>
+                                    <p:set>
+                                      <p:cBhvr>
+                                        <p:cTn id="6" dur="1" fill="hold">
+                                          <p:stCondLst>
+                                            <p:cond delay="0"/>
+                                          </p:stCondLst>
+                                        </p:cTn>
+                                        <p:tgtEl>
+                                          <p:spTgt spid="1029"/>
+                                        </p:tgtEl>
+                                        <p:attrNameLst>
+                                          <p:attrName>style.visibility</p:attrName>
+                                        </p:attrNameLst>
+                                      </p:cBhvr>
+                                      <p:to>
+                                        <p:strVal val="visible"/>
+                                      </p:to>
+                                    </p:set>
+                                    <p:animEffect transition="in" filter="circle(in)">
+                                      <p:cBhvr>
+                                        <p:cTn id="7" dur="700"/>
+                                        <p:tgtEl>
+                                          <p:spTgt spid="1029"/>
+                                        </p:tgtEl>
+                                      </p:cBhvr>
+                                    </p:animEffect>
+                                  </p:childTnLst>
+                                </p:cTn>
+                              </p:par>
+                              <p:par>
+                                <p:cTn id="8" presetID="6" presetClass="entr" presetSubtype="16" fill="hold" nodeType="withEffect">
+                                  <p:stCondLst>
+                                    <p:cond delay="0"/>
+                                  </p:stCondLst>
+                                  <p:childTnLst>
+                                    <p:set>
+                                      <p:cBhvr>
+                                        <p:cTn id="9" dur="1" fill="hold">
+                                          <p:stCondLst>
+                                            <p:cond delay="0"/>
+                                          </p:stCondLst>
+                                        </p:cTn>
+                                        <p:tgtEl>
+                                          <p:spTgt spid="7"/>
+                                        </p:tgtEl>
+                                        <p:attrNameLst>
+                                          <p:attrName>style.visibility</p:attrName>
+                                        </p:attrNameLst>
+                                      </p:cBhvr>
+                                      <p:to>
+                                        <p:strVal val="visible"/>
+                                      </p:to>
+                                    </p:set>
+                                    <p:animEffect transition="in" filter="circle(in)">
+                                      <p:cBhvr>
+                                        <p:cTn id="10" dur="3000"/>
+                                        <p:tgtEl>
+                                          <p:spTgt spid="7"/>
+                                        </p:tgtEl>
+                                      </p:cBhvr>
+                                    </p:animEffect>
+                                  </p:childTnLst>
+                                </p:cTn>
+                              </p:par>
+                            </p:childTnLst>
+                          </p:cTn>
+                        </p:par>
+                      </p:childTnLst>
+                    </p:cTn>
+                  </p:par>
+                </p:childTnLst>
+              </p:cTn>
+              <p:prevCondLst>
+                <p:cond evt="onPrev" delay="0">
+                  <p:tgtEl>
+                    <p:sldTgt/>
+                  </p:tgtEl>
+                </p:cond>
+              </p:prevCondLst>
+              <p:nextCondLst>
+                <p:cond evt="onNext" delay="0">
+                  <p:tgtEl>
+                    <p:sldTgt/>
+                  </p:tgtEl>
+                </p:cond>
+              </p:nextCondLst>
+            </p:seq>
+          </p:childTnLst>
+        </p:cTn>
+      </p:par>
+    </p:tnLst>
+  </p:timing>
+</p:sld>
+</file>
+
+<file path=ppt/slides/slide3.xml><?xml version="1.0" encoding="utf-8"?>
+<p:sld xmlns:a="http://schemas.openxmlformats.org/drawingml/2006/main" xmlns:r="http://schemas.openxmlformats.org/officeDocument/2006/relationships" xmlns:p="http://schemas.openxmlformats.org/presentationml/2006/main">
+  <p:cSld>
+    <p:spTree>
+      <p:nvGrpSpPr>
+        <p:cNvPr id="1" name="">
+          <a:extLst>
+            <a:ext uri="{FF2B5EF4-FFF2-40B4-BE49-F238E27FC236}">
+              <a16:creationId xmlns:a16="http://schemas.microsoft.com/office/drawing/2014/main" id="{08DD2F63-DB5F-83B1-3864-5B692A25FC33}"/>
+            </a:ext>
+          </a:extLst>
+        </p:cNvPr>
+        <p:cNvGrpSpPr/>
+        <p:nvPr/>
+      </p:nvGrpSpPr>
+      <p:grpSpPr>
+        <a:xfrm>
+          <a:off x="0" y="0"/>
+          <a:ext cx="0" cy="0"/>
+          <a:chOff x="0" y="0"/>
+          <a:chExt cx="0" cy="0"/>
+        </a:xfrm>
+      </p:grpSpPr>
+      <p:pic>
+        <p:nvPicPr>
+          <p:cNvPr id="1029" name="Picture 5">
+            <a:extLst>
+              <a:ext uri="{FF2B5EF4-FFF2-40B4-BE49-F238E27FC236}">
+                <a16:creationId xmlns:a16="http://schemas.microsoft.com/office/drawing/2014/main" id="{37FC1583-1679-9135-2E2D-99AECAEA41A0}"/>
+              </a:ext>
+            </a:extLst>
+          </p:cNvPr>
+          <p:cNvPicPr>
+            <a:picLocks noChangeAspect="1" noChangeArrowheads="1"/>
+          </p:cNvPicPr>
+          <p:nvPr/>
+        </p:nvPicPr>
+        <p:blipFill rotWithShape="1">
+          <a:blip r:embed="rId2">
+            <a:extLst>
+              <a:ext uri="{28A0092B-C50C-407E-A947-70E740481C1C}">
+                <a14:useLocalDpi xmlns:a14="http://schemas.microsoft.com/office/drawing/2010/main" val="0"/>
+              </a:ext>
+            </a:extLst>
+          </a:blip>
+          <a:srcRect b="25035"/>
+          <a:stretch/>
+        </p:blipFill>
+        <p:spPr bwMode="auto">
+          <a:xfrm>
+            <a:off x="-198178" y="-66085"/>
+            <a:ext cx="804538" cy="603125"/>
+          </a:xfrm>
+          <a:prstGeom prst="ellipse">
+            <a:avLst/>
+          </a:prstGeom>
+          <a:noFill/>
+          <a:extLst>
+            <a:ext uri="{909E8E84-426E-40DD-AFC4-6F175D3DCCD1}">
+              <a14:hiddenFill xmlns:a14="http://schemas.microsoft.com/office/drawing/2010/main">
+                <a:solidFill>
+                  <a:srgbClr val="FFFFFF"/>
+                </a:solidFill>
+              </a14:hiddenFill>
+            </a:ext>
+          </a:extLst>
+        </p:spPr>
+      </p:pic>
+      <p:pic>
+        <p:nvPicPr>
+          <p:cNvPr id="3" name="orange">
+            <a:extLst>
+              <a:ext uri="{FF2B5EF4-FFF2-40B4-BE49-F238E27FC236}">
+                <a16:creationId xmlns:a16="http://schemas.microsoft.com/office/drawing/2014/main" id="{28765BDE-F24A-4761-596C-78B202296A0B}"/>
+              </a:ext>
+            </a:extLst>
+          </p:cNvPr>
+          <p:cNvPicPr>
+            <a:picLocks noChangeAspect="1"/>
+          </p:cNvPicPr>
+          <p:nvPr/>
+        </p:nvPicPr>
+        <p:blipFill>
+          <a:blip r:embed="rId3">
+            <a:extLst>
+              <a:ext uri="{28A0092B-C50C-407E-A947-70E740481C1C}">
+                <a14:useLocalDpi xmlns:a14="http://schemas.microsoft.com/office/drawing/2010/main" val="0"/>
+              </a:ext>
+            </a:extLst>
+          </a:blip>
+          <a:srcRect t="4699" b="4699"/>
+          <a:stretch/>
+        </p:blipFill>
+        <p:spPr>
+          <a:xfrm>
+            <a:off x="52732" y="213190"/>
+            <a:ext cx="274955" cy="323850"/>
+          </a:xfrm>
+          <a:prstGeom prst="ellipse">
+            <a:avLst/>
+          </a:prstGeom>
+        </p:spPr>
+      </p:pic>
+      <p:pic>
+        <p:nvPicPr>
+          <p:cNvPr id="7" name="3">
+            <a:extLst>
+              <a:ext uri="{FF2B5EF4-FFF2-40B4-BE49-F238E27FC236}">
+                <a16:creationId xmlns:a16="http://schemas.microsoft.com/office/drawing/2014/main" id="{6D947526-2F30-6FA2-D3A1-6518758B2AE1}"/>
+              </a:ext>
+            </a:extLst>
+          </p:cNvPr>
+          <p:cNvPicPr>
+            <a:picLocks noChangeAspect="1" noChangeArrowheads="1"/>
+          </p:cNvPicPr>
+          <p:nvPr/>
+        </p:nvPicPr>
+        <p:blipFill rotWithShape="1">
+          <a:blip r:embed="rId2">
+            <a:alphaModFix amt="70000"/>
+            <a:duotone>
+              <a:schemeClr val="accent2">
+                <a:shade val="45000"/>
+                <a:satMod val="135000"/>
+              </a:schemeClr>
+              <a:prstClr val="white"/>
+            </a:duotone>
+            <a:extLst>
+              <a:ext uri="{28A0092B-C50C-407E-A947-70E740481C1C}">
+                <a14:useLocalDpi xmlns:a14="http://schemas.microsoft.com/office/drawing/2010/main" val="0"/>
+              </a:ext>
+            </a:extLst>
+          </a:blip>
+          <a:srcRect b="25035"/>
+          <a:stretch/>
+        </p:blipFill>
+        <p:spPr bwMode="auto">
+          <a:xfrm flipH="1">
+            <a:off x="-62582" y="127834"/>
+            <a:ext cx="545858" cy="409205"/>
+          </a:xfrm>
+          <a:prstGeom prst="ellipse">
+            <a:avLst/>
+          </a:prstGeom>
+          <a:noFill/>
+          <a:extLst>
+            <a:ext uri="{909E8E84-426E-40DD-AFC4-6F175D3DCCD1}">
+              <a14:hiddenFill xmlns:a14="http://schemas.microsoft.com/office/drawing/2010/main">
+                <a:solidFill>
+                  <a:srgbClr val="FFFFFF"/>
+                </a:solidFill>
+              </a14:hiddenFill>
+            </a:ext>
+          </a:extLst>
+        </p:spPr>
+      </p:pic>
+    </p:spTree>
+    <p:extLst>
+      <p:ext uri="{BB962C8B-B14F-4D97-AF65-F5344CB8AC3E}">
+        <p14:creationId xmlns:p14="http://schemas.microsoft.com/office/powerpoint/2010/main" val="2868368381"/>
+      </p:ext>
+    </p:extLst>
+  </p:cSld>
+  <p:clrMapOvr>
+    <a:masterClrMapping/>
+  </p:clrMapOvr>
+  <mc:AlternateContent xmlns:mc="http://schemas.openxmlformats.org/markup-compatibility/2006" xmlns:p14="http://schemas.microsoft.com/office/powerpoint/2010/main">
+    <mc:Choice Requires="p14">
+      <p:transition spd="slow" p14:dur="3000"/>
+    </mc:Choice>
+    <mc:Fallback xmlns="">
+      <p:transition spd="slow"/>
+    </mc:Fallback>
+  </mc:AlternateContent>
+  <p:timing>
+    <p:tnLst>
+      <p:par>
+        <p:cTn id="1" dur="indefinite" restart="never" nodeType="tmRoot">
+          <p:childTnLst>
+            <p:seq concurrent="1" nextAc="seek">
+              <p:cTn id="2" dur="indefinite" nodeType="mainSeq">
+                <p:childTnLst>
+                  <p:par>
+                    <p:cTn id="3" fill="hold">
+                      <p:stCondLst>
+                        <p:cond delay="indefinite"/>
+                      </p:stCondLst>
+                      <p:childTnLst>
+                        <p:par>
+                          <p:cTn id="4" fill="hold">
+                            <p:stCondLst>
+                              <p:cond delay="0"/>
+                            </p:stCondLst>
+                            <p:childTnLst>
+                              <p:par>
+                                <p:cTn id="5" presetID="6" presetClass="entr" presetSubtype="16" fill="hold" nodeType="clickEffect">
+                                  <p:stCondLst>
+                                    <p:cond delay="0"/>
+                                  </p:stCondLst>
+                                  <p:childTnLst>
+                                    <p:set>
+                                      <p:cBhvr>
+                                        <p:cTn id="6" dur="1" fill="hold">
+                                          <p:stCondLst>
+                                            <p:cond delay="0"/>
+                                          </p:stCondLst>
+                                        </p:cTn>
+                                        <p:tgtEl>
+                                          <p:spTgt spid="1029"/>
+                                        </p:tgtEl>
+                                        <p:attrNameLst>
+                                          <p:attrName>style.visibility</p:attrName>
+                                        </p:attrNameLst>
+                                      </p:cBhvr>
+                                      <p:to>
+                                        <p:strVal val="visible"/>
+                                      </p:to>
+                                    </p:set>
+                                    <p:animEffect transition="in" filter="circle(in)">
+                                      <p:cBhvr>
+                                        <p:cTn id="7" dur="700"/>
+                                        <p:tgtEl>
+                                          <p:spTgt spid="1029"/>
+                                        </p:tgtEl>
+                                      </p:cBhvr>
+                                    </p:animEffect>
+                                  </p:childTnLst>
+                                </p:cTn>
+                              </p:par>
+                              <p:par>
+                                <p:cTn id="8" presetID="6" presetClass="entr" presetSubtype="16" fill="hold" nodeType="withEffect">
+                                  <p:stCondLst>
+                                    <p:cond delay="0"/>
+                                  </p:stCondLst>
+                                  <p:childTnLst>
+                                    <p:set>
+                                      <p:cBhvr>
+                                        <p:cTn id="9" dur="1" fill="hold">
+                                          <p:stCondLst>
+                                            <p:cond delay="0"/>
+                                          </p:stCondLst>
+                                        </p:cTn>
+                                        <p:tgtEl>
+                                          <p:spTgt spid="7"/>
+                                        </p:tgtEl>
+                                        <p:attrNameLst>
+                                          <p:attrName>style.visibility</p:attrName>
+                                        </p:attrNameLst>
+                                      </p:cBhvr>
+                                      <p:to>
+                                        <p:strVal val="visible"/>
+                                      </p:to>
+                                    </p:set>
+                                    <p:animEffect transition="in" filter="circle(in)">
+                                      <p:cBhvr>
+                                        <p:cTn id="10" dur="3000"/>
+                                        <p:tgtEl>
+                                          <p:spTgt spid="7"/>
+                                        </p:tgtEl>
+                                      </p:cBhvr>
+                                    </p:animEffect>
+                                  </p:childTnLst>
+                                </p:cTn>
+                              </p:par>
+                            </p:childTnLst>
+                          </p:cTn>
+                        </p:par>
+                      </p:childTnLst>
+                    </p:cTn>
+                  </p:par>
+                </p:childTnLst>
+              </p:cTn>
+              <p:prevCondLst>
+                <p:cond evt="onPrev" delay="0">
+                  <p:tgtEl>
+                    <p:sldTgt/>
+                  </p:tgtEl>
+                </p:cond>
+              </p:prevCondLst>
+              <p:nextCondLst>
+                <p:cond evt="onNext" delay="0">
+                  <p:tgtEl>
+                    <p:sldTgt/>
+                  </p:tgtEl>
+                </p:cond>
+              </p:nextCondLst>
+            </p:seq>
+          </p:childTnLst>
+        </p:cTn>
+      </p:par>
+    </p:tnLst>
+  </p:timing>
+</p:sld>
+</file>
+
+<file path=ppt/slides/slide4.xml><?xml version="1.0" encoding="utf-8"?>
+<p:sld xmlns:a="http://schemas.openxmlformats.org/drawingml/2006/main" xmlns:r="http://schemas.openxmlformats.org/officeDocument/2006/relationships" xmlns:p="http://schemas.openxmlformats.org/presentationml/2006/main">
+  <p:cSld>
+    <p:spTree>
+      <p:nvGrpSpPr>
+        <p:cNvPr id="1" name="">
+          <a:extLst>
+            <a:ext uri="{FF2B5EF4-FFF2-40B4-BE49-F238E27FC236}">
+              <a16:creationId xmlns:a16="http://schemas.microsoft.com/office/drawing/2014/main" id="{40759A31-ADA9-AE8A-55F3-A1F6D84EBD25}"/>
+            </a:ext>
+          </a:extLst>
+        </p:cNvPr>
+        <p:cNvGrpSpPr/>
+        <p:nvPr/>
+      </p:nvGrpSpPr>
+      <p:grpSpPr>
+        <a:xfrm>
+          <a:off x="0" y="0"/>
+          <a:ext cx="0" cy="0"/>
+          <a:chOff x="0" y="0"/>
+          <a:chExt cx="0" cy="0"/>
+        </a:xfrm>
+      </p:grpSpPr>
+      <p:pic>
+        <p:nvPicPr>
+          <p:cNvPr id="1029" name="Picture 5">
+            <a:extLst>
+              <a:ext uri="{FF2B5EF4-FFF2-40B4-BE49-F238E27FC236}">
+                <a16:creationId xmlns:a16="http://schemas.microsoft.com/office/drawing/2014/main" id="{50974CBD-91BD-C039-7068-0523955747F1}"/>
+              </a:ext>
+            </a:extLst>
+          </p:cNvPr>
+          <p:cNvPicPr>
+            <a:picLocks noChangeAspect="1" noChangeArrowheads="1"/>
+          </p:cNvPicPr>
+          <p:nvPr/>
+        </p:nvPicPr>
+        <p:blipFill rotWithShape="1">
+          <a:blip r:embed="rId2">
+            <a:extLst>
+              <a:ext uri="{28A0092B-C50C-407E-A947-70E740481C1C}">
+                <a14:useLocalDpi xmlns:a14="http://schemas.microsoft.com/office/drawing/2010/main" val="0"/>
+              </a:ext>
+            </a:extLst>
+          </a:blip>
+          <a:srcRect b="25035"/>
+          <a:stretch/>
+        </p:blipFill>
+        <p:spPr bwMode="auto">
+          <a:xfrm>
+            <a:off x="-198178" y="-66085"/>
+            <a:ext cx="804538" cy="603125"/>
+          </a:xfrm>
+          <a:prstGeom prst="ellipse">
+            <a:avLst/>
+          </a:prstGeom>
+          <a:noFill/>
+          <a:extLst>
+            <a:ext uri="{909E8E84-426E-40DD-AFC4-6F175D3DCCD1}">
+              <a14:hiddenFill xmlns:a14="http://schemas.microsoft.com/office/drawing/2010/main">
+                <a:solidFill>
+                  <a:srgbClr val="FFFFFF"/>
+                </a:solidFill>
+              </a14:hiddenFill>
+            </a:ext>
+          </a:extLst>
+        </p:spPr>
+      </p:pic>
+      <p:pic>
+        <p:nvPicPr>
+          <p:cNvPr id="3" name="pink">
+            <a:extLst>
+              <a:ext uri="{FF2B5EF4-FFF2-40B4-BE49-F238E27FC236}">
+                <a16:creationId xmlns:a16="http://schemas.microsoft.com/office/drawing/2014/main" id="{10C0A03F-A605-863D-C35E-98470E3403A3}"/>
+              </a:ext>
+            </a:extLst>
+          </p:cNvPr>
+          <p:cNvPicPr>
+            <a:picLocks noChangeAspect="1"/>
+          </p:cNvPicPr>
+          <p:nvPr/>
+        </p:nvPicPr>
+        <p:blipFill>
+          <a:blip r:embed="rId3">
+            <a:extLst>
+              <a:ext uri="{28A0092B-C50C-407E-A947-70E740481C1C}">
+                <a14:useLocalDpi xmlns:a14="http://schemas.microsoft.com/office/drawing/2010/main" val="0"/>
+              </a:ext>
+            </a:extLst>
+          </a:blip>
+          <a:srcRect t="4699" b="4699"/>
+          <a:stretch/>
+        </p:blipFill>
+        <p:spPr>
+          <a:xfrm>
+            <a:off x="52732" y="213190"/>
+            <a:ext cx="274955" cy="323850"/>
+          </a:xfrm>
+          <a:prstGeom prst="ellipse">
+            <a:avLst/>
+          </a:prstGeom>
+        </p:spPr>
+      </p:pic>
+      <p:pic>
+        <p:nvPicPr>
+          <p:cNvPr id="7" name="3">
+            <a:extLst>
+              <a:ext uri="{FF2B5EF4-FFF2-40B4-BE49-F238E27FC236}">
+                <a16:creationId xmlns:a16="http://schemas.microsoft.com/office/drawing/2014/main" id="{48F53613-022E-A87C-B799-3C37964B273D}"/>
+              </a:ext>
+            </a:extLst>
+          </p:cNvPr>
+          <p:cNvPicPr>
+            <a:picLocks noChangeAspect="1" noChangeArrowheads="1"/>
+          </p:cNvPicPr>
+          <p:nvPr/>
+        </p:nvPicPr>
+        <p:blipFill rotWithShape="1">
+          <a:blip r:embed="rId2">
+            <a:alphaModFix amt="70000"/>
+            <a:duotone>
+              <a:schemeClr val="accent2">
+                <a:shade val="45000"/>
+                <a:satMod val="135000"/>
+              </a:schemeClr>
+              <a:prstClr val="white"/>
+            </a:duotone>
+            <a:extLst>
+              <a:ext uri="{28A0092B-C50C-407E-A947-70E740481C1C}">
+                <a14:useLocalDpi xmlns:a14="http://schemas.microsoft.com/office/drawing/2010/main" val="0"/>
+              </a:ext>
+            </a:extLst>
+          </a:blip>
+          <a:srcRect b="25035"/>
+          <a:stretch/>
+        </p:blipFill>
+        <p:spPr bwMode="auto">
+          <a:xfrm flipH="1">
+            <a:off x="-62582" y="127834"/>
+            <a:ext cx="545858" cy="409205"/>
+          </a:xfrm>
+          <a:prstGeom prst="ellipse">
+            <a:avLst/>
+          </a:prstGeom>
+          <a:noFill/>
+          <a:extLst>
+            <a:ext uri="{909E8E84-426E-40DD-AFC4-6F175D3DCCD1}">
+              <a14:hiddenFill xmlns:a14="http://schemas.microsoft.com/office/drawing/2010/main">
+                <a:solidFill>
+                  <a:srgbClr val="FFFFFF"/>
+                </a:solidFill>
+              </a14:hiddenFill>
+            </a:ext>
+          </a:extLst>
+        </p:spPr>
+      </p:pic>
+    </p:spTree>
+    <p:extLst>
+      <p:ext uri="{BB962C8B-B14F-4D97-AF65-F5344CB8AC3E}">
+        <p14:creationId xmlns:p14="http://schemas.microsoft.com/office/powerpoint/2010/main" val="33571611"/>
+      </p:ext>
+    </p:extLst>
+  </p:cSld>
+  <p:clrMapOvr>
+    <a:masterClrMapping/>
+  </p:clrMapOvr>
+  <mc:AlternateContent xmlns:mc="http://schemas.openxmlformats.org/markup-compatibility/2006" xmlns:p14="http://schemas.microsoft.com/office/powerpoint/2010/main">
+    <mc:Choice Requires="p14">
+      <p:transition spd="slow" p14:dur="3000"/>
+    </mc:Choice>
+    <mc:Fallback xmlns="">
+      <p:transition spd="slow"/>
+    </mc:Fallback>
+  </mc:AlternateContent>
+  <p:timing>
+    <p:tnLst>
+      <p:par>
+        <p:cTn id="1" dur="indefinite" restart="never" nodeType="tmRoot">
+          <p:childTnLst>
+            <p:seq concurrent="1" nextAc="seek">
+              <p:cTn id="2" dur="indefinite" nodeType="mainSeq">
+                <p:childTnLst>
+                  <p:par>
+                    <p:cTn id="3" fill="hold">
+                      <p:stCondLst>
+                        <p:cond delay="indefinite"/>
+                      </p:stCondLst>
+                      <p:childTnLst>
+                        <p:par>
+                          <p:cTn id="4" fill="hold">
+                            <p:stCondLst>
+                              <p:cond delay="0"/>
+                            </p:stCondLst>
+                            <p:childTnLst>
+                              <p:par>
+                                <p:cTn id="5" presetID="6" presetClass="entr" presetSubtype="16" fill="hold" nodeType="clickEffect">
+                                  <p:stCondLst>
+                                    <p:cond delay="0"/>
+                                  </p:stCondLst>
+                                  <p:childTnLst>
+                                    <p:set>
+                                      <p:cBhvr>
+                                        <p:cTn id="6" dur="1" fill="hold">
+                                          <p:stCondLst>
+                                            <p:cond delay="0"/>
+                                          </p:stCondLst>
+                                        </p:cTn>
+                                        <p:tgtEl>
+                                          <p:spTgt spid="1029"/>
+                                        </p:tgtEl>
+                                        <p:attrNameLst>
+                                          <p:attrName>style.visibility</p:attrName>
+                                        </p:attrNameLst>
+                                      </p:cBhvr>
+                                      <p:to>
+                                        <p:strVal val="visible"/>
+                                      </p:to>
+                                    </p:set>
+                                    <p:animEffect transition="in" filter="circle(in)">
+                                      <p:cBhvr>
+                                        <p:cTn id="7" dur="700"/>
+                                        <p:tgtEl>
+                                          <p:spTgt spid="1029"/>
+                                        </p:tgtEl>
+                                      </p:cBhvr>
+                                    </p:animEffect>
+                                  </p:childTnLst>
+                                </p:cTn>
+                              </p:par>
+                              <p:par>
+                                <p:cTn id="8" presetID="6" presetClass="entr" presetSubtype="16" fill="hold" nodeType="withEffect">
+                                  <p:stCondLst>
+                                    <p:cond delay="0"/>
+                                  </p:stCondLst>
+                                  <p:childTnLst>
+                                    <p:set>
+                                      <p:cBhvr>
+                                        <p:cTn id="9" dur="1" fill="hold">
+                                          <p:stCondLst>
+                                            <p:cond delay="0"/>
+                                          </p:stCondLst>
+                                        </p:cTn>
+                                        <p:tgtEl>
+                                          <p:spTgt spid="7"/>
+                                        </p:tgtEl>
+                                        <p:attrNameLst>
+                                          <p:attrName>style.visibility</p:attrName>
+                                        </p:attrNameLst>
+                                      </p:cBhvr>
+                                      <p:to>
+                                        <p:strVal val="visible"/>
+                                      </p:to>
+                                    </p:set>
+                                    <p:animEffect transition="in" filter="circle(in)">
+                                      <p:cBhvr>
+                                        <p:cTn id="10" dur="3000"/>
+                                        <p:tgtEl>
+                                          <p:spTgt spid="7"/>
+                                        </p:tgtEl>
+                                      </p:cBhvr>
+                                    </p:animEffect>
+                                  </p:childTnLst>
+                                </p:cTn>
+                              </p:par>
+                            </p:childTnLst>
+                          </p:cTn>
+                        </p:par>
+                      </p:childTnLst>
+                    </p:cTn>
+                  </p:par>
+                </p:childTnLst>
+              </p:cTn>
+              <p:prevCondLst>
+                <p:cond evt="onPrev" delay="0">
+                  <p:tgtEl>
+                    <p:sldTgt/>
+                  </p:tgtEl>
+                </p:cond>
+              </p:prevCondLst>
+              <p:nextCondLst>
+                <p:cond evt="onNext" delay="0">
+                  <p:tgtEl>
+                    <p:sldTgt/>
+                  </p:tgtEl>
+                </p:cond>
+              </p:nextCondLst>
+            </p:seq>
+          </p:childTnLst>
+        </p:cTn>
+      </p:par>
+    </p:tnLst>
+  </p:timing>
+</p:sld>
+</file>
+
+<file path=ppt/slides/slide5.xml><?xml version="1.0" encoding="utf-8"?>
+<p:sld xmlns:a="http://schemas.openxmlformats.org/drawingml/2006/main" xmlns:r="http://schemas.openxmlformats.org/officeDocument/2006/relationships" xmlns:p="http://schemas.openxmlformats.org/presentationml/2006/main">
+  <p:cSld>
+    <p:spTree>
+      <p:nvGrpSpPr>
+        <p:cNvPr id="1" name="">
+          <a:extLst>
+            <a:ext uri="{FF2B5EF4-FFF2-40B4-BE49-F238E27FC236}">
+              <a16:creationId xmlns:a16="http://schemas.microsoft.com/office/drawing/2014/main" id="{80B78843-F243-EF48-5E3D-B2ECB6E94D63}"/>
+            </a:ext>
+          </a:extLst>
+        </p:cNvPr>
+        <p:cNvGrpSpPr/>
+        <p:nvPr/>
+      </p:nvGrpSpPr>
+      <p:grpSpPr>
+        <a:xfrm>
+          <a:off x="0" y="0"/>
+          <a:ext cx="0" cy="0"/>
+          <a:chOff x="0" y="0"/>
+          <a:chExt cx="0" cy="0"/>
+        </a:xfrm>
+      </p:grpSpPr>
+      <p:pic>
+        <p:nvPicPr>
+          <p:cNvPr id="1029" name="Picture 5">
+            <a:extLst>
+              <a:ext uri="{FF2B5EF4-FFF2-40B4-BE49-F238E27FC236}">
+                <a16:creationId xmlns:a16="http://schemas.microsoft.com/office/drawing/2014/main" id="{0DE4965E-4E21-1646-0D3D-26E4FDE93620}"/>
+              </a:ext>
+            </a:extLst>
+          </p:cNvPr>
+          <p:cNvPicPr>
+            <a:picLocks noChangeAspect="1" noChangeArrowheads="1"/>
+          </p:cNvPicPr>
+          <p:nvPr/>
+        </p:nvPicPr>
+        <p:blipFill rotWithShape="1">
+          <a:blip r:embed="rId2">
+            <a:extLst>
+              <a:ext uri="{28A0092B-C50C-407E-A947-70E740481C1C}">
+                <a14:useLocalDpi xmlns:a14="http://schemas.microsoft.com/office/drawing/2010/main" val="0"/>
+              </a:ext>
+            </a:extLst>
+          </a:blip>
+          <a:srcRect b="25035"/>
+          <a:stretch/>
+        </p:blipFill>
+        <p:spPr bwMode="auto">
+          <a:xfrm>
+            <a:off x="-198178" y="-66085"/>
+            <a:ext cx="804538" cy="603125"/>
+          </a:xfrm>
+          <a:prstGeom prst="ellipse">
+            <a:avLst/>
+          </a:prstGeom>
+          <a:noFill/>
+          <a:extLst>
+            <a:ext uri="{909E8E84-426E-40DD-AFC4-6F175D3DCCD1}">
+              <a14:hiddenFill xmlns:a14="http://schemas.microsoft.com/office/drawing/2010/main">
+                <a:solidFill>
+                  <a:srgbClr val="FFFFFF"/>
+                </a:solidFill>
+              </a14:hiddenFill>
+            </a:ext>
+          </a:extLst>
+        </p:spPr>
+      </p:pic>
+      <p:pic>
+        <p:nvPicPr>
+          <p:cNvPr id="3" name="p1">
+            <a:extLst>
+              <a:ext uri="{FF2B5EF4-FFF2-40B4-BE49-F238E27FC236}">
+                <a16:creationId xmlns:a16="http://schemas.microsoft.com/office/drawing/2014/main" id="{D64BEE1A-4EA6-473C-428C-119B51110CDF}"/>
+              </a:ext>
+            </a:extLst>
+          </p:cNvPr>
+          <p:cNvPicPr>
+            <a:picLocks noChangeAspect="1"/>
+          </p:cNvPicPr>
+          <p:nvPr/>
+        </p:nvPicPr>
+        <p:blipFill>
+          <a:blip r:embed="rId3">
+            <a:extLst>
+              <a:ext uri="{28A0092B-C50C-407E-A947-70E740481C1C}">
+                <a14:useLocalDpi xmlns:a14="http://schemas.microsoft.com/office/drawing/2010/main" val="0"/>
+              </a:ext>
+            </a:extLst>
+          </a:blip>
+          <a:srcRect t="4699" b="4699"/>
+          <a:stretch/>
+        </p:blipFill>
+        <p:spPr>
+          <a:xfrm>
+            <a:off x="52732" y="213190"/>
+            <a:ext cx="274955" cy="323850"/>
+          </a:xfrm>
+          <a:prstGeom prst="ellipse">
+            <a:avLst/>
+          </a:prstGeom>
+        </p:spPr>
+      </p:pic>
+      <p:pic>
+        <p:nvPicPr>
+          <p:cNvPr id="7" name="3">
+            <a:extLst>
+              <a:ext uri="{FF2B5EF4-FFF2-40B4-BE49-F238E27FC236}">
+                <a16:creationId xmlns:a16="http://schemas.microsoft.com/office/drawing/2014/main" id="{B9C919E2-EA1F-1BA0-C3E8-93F6EF753587}"/>
+              </a:ext>
+            </a:extLst>
+          </p:cNvPr>
+          <p:cNvPicPr>
+            <a:picLocks noChangeAspect="1" noChangeArrowheads="1"/>
+          </p:cNvPicPr>
+          <p:nvPr/>
+        </p:nvPicPr>
+        <p:blipFill rotWithShape="1">
+          <a:blip r:embed="rId2">
+            <a:alphaModFix amt="70000"/>
+            <a:duotone>
+              <a:schemeClr val="accent2">
+                <a:shade val="45000"/>
+                <a:satMod val="135000"/>
+              </a:schemeClr>
+              <a:prstClr val="white"/>
+            </a:duotone>
+            <a:extLst>
+              <a:ext uri="{28A0092B-C50C-407E-A947-70E740481C1C}">
+                <a14:useLocalDpi xmlns:a14="http://schemas.microsoft.com/office/drawing/2010/main" val="0"/>
+              </a:ext>
+            </a:extLst>
+          </a:blip>
+          <a:srcRect b="25035"/>
+          <a:stretch/>
+        </p:blipFill>
+        <p:spPr bwMode="auto">
+          <a:xfrm flipH="1">
+            <a:off x="-62582" y="127834"/>
+            <a:ext cx="545858" cy="409205"/>
+          </a:xfrm>
+          <a:prstGeom prst="ellipse">
+            <a:avLst/>
+          </a:prstGeom>
+          <a:noFill/>
+          <a:extLst>
+            <a:ext uri="{909E8E84-426E-40DD-AFC4-6F175D3DCCD1}">
+              <a14:hiddenFill xmlns:a14="http://schemas.microsoft.com/office/drawing/2010/main">
+                <a:solidFill>
+                  <a:srgbClr val="FFFFFF"/>
+                </a:solidFill>
+              </a14:hiddenFill>
+            </a:ext>
+          </a:extLst>
+        </p:spPr>
+      </p:pic>
+    </p:spTree>
+    <p:extLst>
+      <p:ext uri="{BB962C8B-B14F-4D97-AF65-F5344CB8AC3E}">
+        <p14:creationId xmlns:p14="http://schemas.microsoft.com/office/powerpoint/2010/main" val="3377319153"/>
+      </p:ext>
+    </p:extLst>
+  </p:cSld>
+  <p:clrMapOvr>
+    <a:masterClrMapping/>
+  </p:clrMapOvr>
+  <mc:AlternateContent xmlns:mc="http://schemas.openxmlformats.org/markup-compatibility/2006" xmlns:p14="http://schemas.microsoft.com/office/powerpoint/2010/main">
+    <mc:Choice Requires="p14">
+      <p:transition spd="slow" p14:dur="3000"/>
+    </mc:Choice>
+    <mc:Fallback xmlns="">
+      <p:transition spd="slow"/>
+    </mc:Fallback>
+  </mc:AlternateContent>
+  <p:timing>
+    <p:tnLst>
+      <p:par>
+        <p:cTn id="1" dur="indefinite" restart="never" nodeType="tmRoot">
+          <p:childTnLst>
+            <p:seq concurrent="1" nextAc="seek">
+              <p:cTn id="2" dur="indefinite" nodeType="mainSeq">
+                <p:childTnLst>
+                  <p:par>
+                    <p:cTn id="3" fill="hold">
+                      <p:stCondLst>
+                        <p:cond delay="indefinite"/>
+                      </p:stCondLst>
+                      <p:childTnLst>
+                        <p:par>
+                          <p:cTn id="4" fill="hold">
+                            <p:stCondLst>
+                              <p:cond delay="0"/>
+                            </p:stCondLst>
+                            <p:childTnLst>
+                              <p:par>
+                                <p:cTn id="5" presetID="6" presetClass="entr" presetSubtype="16" fill="hold" nodeType="clickEffect">
+                                  <p:stCondLst>
+                                    <p:cond delay="0"/>
+                                  </p:stCondLst>
+                                  <p:childTnLst>
+                                    <p:set>
+                                      <p:cBhvr>
+                                        <p:cTn id="6" dur="1" fill="hold">
+                                          <p:stCondLst>
+                                            <p:cond delay="0"/>
+                                          </p:stCondLst>
+                                        </p:cTn>
+                                        <p:tgtEl>
+                                          <p:spTgt spid="1029"/>
+                                        </p:tgtEl>
+                                        <p:attrNameLst>
+                                          <p:attrName>style.visibility</p:attrName>
+                                        </p:attrNameLst>
+                                      </p:cBhvr>
+                                      <p:to>
+                                        <p:strVal val="visible"/>
+                                      </p:to>
+                                    </p:set>
+                                    <p:animEffect transition="in" filter="circle(in)">
+                                      <p:cBhvr>
+                                        <p:cTn id="7" dur="700"/>
+                                        <p:tgtEl>
+                                          <p:spTgt spid="1029"/>
+                                        </p:tgtEl>
+                                      </p:cBhvr>
+                                    </p:animEffect>
+                                  </p:childTnLst>
+                                </p:cTn>
+                              </p:par>
+                              <p:par>
+                                <p:cTn id="8" presetID="6" presetClass="entr" presetSubtype="16" fill="hold" nodeType="withEffect">
+                                  <p:stCondLst>
+                                    <p:cond delay="0"/>
+                                  </p:stCondLst>
+                                  <p:childTnLst>
+                                    <p:set>
+                                      <p:cBhvr>
+                                        <p:cTn id="9" dur="1" fill="hold">
+                                          <p:stCondLst>
+                                            <p:cond delay="0"/>
+                                          </p:stCondLst>
+                                        </p:cTn>
+                                        <p:tgtEl>
+                                          <p:spTgt spid="7"/>
+                                        </p:tgtEl>
+                                        <p:attrNameLst>
+                                          <p:attrName>style.visibility</p:attrName>
+                                        </p:attrNameLst>
+                                      </p:cBhvr>
+                                      <p:to>
+                                        <p:strVal val="visible"/>
+                                      </p:to>
+                                    </p:set>
+                                    <p:animEffect transition="in" filter="circle(in)">
+                                      <p:cBhvr>
+                                        <p:cTn id="10" dur="3000"/>
+                                        <p:tgtEl>
+                                          <p:spTgt spid="7"/>
+                                        </p:tgtEl>
+                                      </p:cBhvr>
+                                    </p:animEffect>
+                                  </p:childTnLst>
+                                </p:cTn>
+                              </p:par>
+                            </p:childTnLst>
+                          </p:cTn>
+                        </p:par>
+                      </p:childTnLst>
+                    </p:cTn>
+                  </p:par>
+                </p:childTnLst>
+              </p:cTn>
+              <p:prevCondLst>
+                <p:cond evt="onPrev" delay="0">
+                  <p:tgtEl>
+                    <p:sldTgt/>
+                  </p:tgtEl>
+                </p:cond>
+              </p:prevCondLst>
+              <p:nextCondLst>
+                <p:cond evt="onNext" delay="0">
+                  <p:tgtEl>
+                    <p:sldTgt/>
+                  </p:tgtEl>
+                </p:cond>
+              </p:nextCondLst>
+            </p:seq>
+          </p:childTnLst>
+        </p:cTn>
+      </p:par>
+    </p:tnLst>
+  </p:timing>
+</p:sld>
+</file>
+
+<file path=ppt/slides/slide6.xml><?xml version="1.0" encoding="utf-8"?>
+<p:sld xmlns:a="http://schemas.openxmlformats.org/drawingml/2006/main" xmlns:r="http://schemas.openxmlformats.org/officeDocument/2006/relationships" xmlns:p="http://schemas.openxmlformats.org/presentationml/2006/main">
+  <p:cSld>
+    <p:spTree>
+      <p:nvGrpSpPr>
+        <p:cNvPr id="1" name="">
+          <a:extLst>
+            <a:ext uri="{FF2B5EF4-FFF2-40B4-BE49-F238E27FC236}">
+              <a16:creationId xmlns:a16="http://schemas.microsoft.com/office/drawing/2014/main" id="{AAFAA4FE-7930-CC03-A9E9-9203ADCB63F9}"/>
+            </a:ext>
+          </a:extLst>
+        </p:cNvPr>
+        <p:cNvGrpSpPr/>
+        <p:nvPr/>
+      </p:nvGrpSpPr>
+      <p:grpSpPr>
+        <a:xfrm>
+          <a:off x="0" y="0"/>
+          <a:ext cx="0" cy="0"/>
+          <a:chOff x="0" y="0"/>
+          <a:chExt cx="0" cy="0"/>
+        </a:xfrm>
+      </p:grpSpPr>
+      <p:pic>
+        <p:nvPicPr>
+          <p:cNvPr id="1029" name="Picture 5">
+            <a:extLst>
+              <a:ext uri="{FF2B5EF4-FFF2-40B4-BE49-F238E27FC236}">
+                <a16:creationId xmlns:a16="http://schemas.microsoft.com/office/drawing/2014/main" id="{19C689F6-A52E-D393-8974-4A6D7DC11062}"/>
+              </a:ext>
+            </a:extLst>
+          </p:cNvPr>
+          <p:cNvPicPr>
+            <a:picLocks noChangeAspect="1" noChangeArrowheads="1"/>
+          </p:cNvPicPr>
+          <p:nvPr/>
+        </p:nvPicPr>
+        <p:blipFill rotWithShape="1">
+          <a:blip r:embed="rId2">
+            <a:extLst>
+              <a:ext uri="{28A0092B-C50C-407E-A947-70E740481C1C}">
+                <a14:useLocalDpi xmlns:a14="http://schemas.microsoft.com/office/drawing/2010/main" val="0"/>
+              </a:ext>
+            </a:extLst>
+          </a:blip>
+          <a:srcRect b="25035"/>
+          <a:stretch/>
+        </p:blipFill>
+        <p:spPr bwMode="auto">
+          <a:xfrm>
+            <a:off x="-198178" y="-66085"/>
+            <a:ext cx="804538" cy="603125"/>
+          </a:xfrm>
+          <a:prstGeom prst="ellipse">
+            <a:avLst/>
+          </a:prstGeom>
+          <a:noFill/>
+          <a:extLst>
+            <a:ext uri="{909E8E84-426E-40DD-AFC4-6F175D3DCCD1}">
+              <a14:hiddenFill xmlns:a14="http://schemas.microsoft.com/office/drawing/2010/main">
+                <a:solidFill>
+                  <a:srgbClr val="FFFFFF"/>
+                </a:solidFill>
+              </a14:hiddenFill>
+            </a:ext>
+          </a:extLst>
+        </p:spPr>
+      </p:pic>
+      <p:pic>
+        <p:nvPicPr>
+          <p:cNvPr id="3" name="p2">
+            <a:extLst>
+              <a:ext uri="{FF2B5EF4-FFF2-40B4-BE49-F238E27FC236}">
+                <a16:creationId xmlns:a16="http://schemas.microsoft.com/office/drawing/2014/main" id="{D60963EF-6449-BF5A-FA58-CBAE2226C6F8}"/>
+              </a:ext>
+            </a:extLst>
+          </p:cNvPr>
+          <p:cNvPicPr>
+            <a:picLocks noChangeAspect="1"/>
+          </p:cNvPicPr>
+          <p:nvPr/>
+        </p:nvPicPr>
+        <p:blipFill>
+          <a:blip r:embed="rId3">
+            <a:extLst>
+              <a:ext uri="{28A0092B-C50C-407E-A947-70E740481C1C}">
+                <a14:useLocalDpi xmlns:a14="http://schemas.microsoft.com/office/drawing/2010/main" val="0"/>
+              </a:ext>
+            </a:extLst>
+          </a:blip>
+          <a:srcRect t="4699" b="4699"/>
+          <a:stretch/>
+        </p:blipFill>
+        <p:spPr>
+          <a:xfrm>
+            <a:off x="52732" y="213190"/>
+            <a:ext cx="274955" cy="323850"/>
+          </a:xfrm>
+          <a:prstGeom prst="ellipse">
+            <a:avLst/>
+          </a:prstGeom>
+        </p:spPr>
+      </p:pic>
+      <p:pic>
+        <p:nvPicPr>
+          <p:cNvPr id="7" name="3">
+            <a:extLst>
+              <a:ext uri="{FF2B5EF4-FFF2-40B4-BE49-F238E27FC236}">
+                <a16:creationId xmlns:a16="http://schemas.microsoft.com/office/drawing/2014/main" id="{36D0589A-3E8A-7946-B28A-52258C47CAF3}"/>
+              </a:ext>
+            </a:extLst>
+          </p:cNvPr>
+          <p:cNvPicPr>
+            <a:picLocks noChangeAspect="1" noChangeArrowheads="1"/>
+          </p:cNvPicPr>
+          <p:nvPr/>
+        </p:nvPicPr>
+        <p:blipFill rotWithShape="1">
+          <a:blip r:embed="rId2">
+            <a:alphaModFix amt="70000"/>
+            <a:duotone>
+              <a:schemeClr val="accent2">
+                <a:shade val="45000"/>
+                <a:satMod val="135000"/>
+              </a:schemeClr>
+              <a:prstClr val="white"/>
+            </a:duotone>
+            <a:extLst>
+              <a:ext uri="{28A0092B-C50C-407E-A947-70E740481C1C}">
+                <a14:useLocalDpi xmlns:a14="http://schemas.microsoft.com/office/drawing/2010/main" val="0"/>
+              </a:ext>
+            </a:extLst>
+          </a:blip>
+          <a:srcRect b="25035"/>
+          <a:stretch/>
+        </p:blipFill>
+        <p:spPr bwMode="auto">
+          <a:xfrm flipH="1">
+            <a:off x="-62582" y="127834"/>
+            <a:ext cx="545858" cy="409205"/>
+          </a:xfrm>
+          <a:prstGeom prst="ellipse">
+            <a:avLst/>
+          </a:prstGeom>
+          <a:noFill/>
+          <a:extLst>
+            <a:ext uri="{909E8E84-426E-40DD-AFC4-6F175D3DCCD1}">
+              <a14:hiddenFill xmlns:a14="http://schemas.microsoft.com/office/drawing/2010/main">
+                <a:solidFill>
+                  <a:srgbClr val="FFFFFF"/>
+                </a:solidFill>
+              </a14:hiddenFill>
+            </a:ext>
+          </a:extLst>
+        </p:spPr>
+      </p:pic>
+    </p:spTree>
+    <p:extLst>
+      <p:ext uri="{BB962C8B-B14F-4D97-AF65-F5344CB8AC3E}">
+        <p14:creationId xmlns:p14="http://schemas.microsoft.com/office/powerpoint/2010/main" val="3839195297"/>
+      </p:ext>
+    </p:extLst>
+  </p:cSld>
+  <p:clrMapOvr>
+    <a:masterClrMapping/>
+  </p:clrMapOvr>
+  <mc:AlternateContent xmlns:mc="http://schemas.openxmlformats.org/markup-compatibility/2006" xmlns:p14="http://schemas.microsoft.com/office/powerpoint/2010/main">
+    <mc:Choice Requires="p14">
+      <p:transition spd="slow" p14:dur="3000"/>
+    </mc:Choice>
+    <mc:Fallback xmlns="">
+      <p:transition spd="slow"/>
+    </mc:Fallback>
+  </mc:AlternateContent>
+  <p:timing>
+    <p:tnLst>
+      <p:par>
+        <p:cTn id="1" dur="indefinite" restart="never" nodeType="tmRoot">
+          <p:childTnLst>
+            <p:seq concurrent="1" nextAc="seek">
+              <p:cTn id="2" dur="indefinite" nodeType="mainSeq">
+                <p:childTnLst>
+                  <p:par>
+                    <p:cTn id="3" fill="hold">
+                      <p:stCondLst>
+                        <p:cond delay="indefinite"/>
+                      </p:stCondLst>
+                      <p:childTnLst>
+                        <p:par>
+                          <p:cTn id="4" fill="hold">
+                            <p:stCondLst>
+                              <p:cond delay="0"/>
+                            </p:stCondLst>
+                            <p:childTnLst>
+                              <p:par>
+                                <p:cTn id="5" presetID="6" presetClass="entr" presetSubtype="16" fill="hold" nodeType="clickEffect">
+                                  <p:stCondLst>
+                                    <p:cond delay="0"/>
+                                  </p:stCondLst>
+                                  <p:childTnLst>
+                                    <p:set>
+                                      <p:cBhvr>
+                                        <p:cTn id="6" dur="1" fill="hold">
+                                          <p:stCondLst>
+                                            <p:cond delay="0"/>
+                                          </p:stCondLst>
+                                        </p:cTn>
+                                        <p:tgtEl>
+                                          <p:spTgt spid="1029"/>
+                                        </p:tgtEl>
+                                        <p:attrNameLst>
+                                          <p:attrName>style.visibility</p:attrName>
+                                        </p:attrNameLst>
+                                      </p:cBhvr>
+                                      <p:to>
+                                        <p:strVal val="visible"/>
+                                      </p:to>
+                                    </p:set>
+                                    <p:animEffect transition="in" filter="circle(in)">
+                                      <p:cBhvr>
+                                        <p:cTn id="7" dur="700"/>
+                                        <p:tgtEl>
+                                          <p:spTgt spid="1029"/>
+                                        </p:tgtEl>
+                                      </p:cBhvr>
+                                    </p:animEffect>
+                                  </p:childTnLst>
+                                </p:cTn>
+                              </p:par>
+                              <p:par>
+                                <p:cTn id="8" presetID="6" presetClass="entr" presetSubtype="16" fill="hold" nodeType="withEffect">
+                                  <p:stCondLst>
+                                    <p:cond delay="0"/>
+                                  </p:stCondLst>
+                                  <p:childTnLst>
+                                    <p:set>
+                                      <p:cBhvr>
+                                        <p:cTn id="9" dur="1" fill="hold">
+                                          <p:stCondLst>
+                                            <p:cond delay="0"/>
+                                          </p:stCondLst>
+                                        </p:cTn>
+                                        <p:tgtEl>
+                                          <p:spTgt spid="7"/>
+                                        </p:tgtEl>
+                                        <p:attrNameLst>
+                                          <p:attrName>style.visibility</p:attrName>
+                                        </p:attrNameLst>
+                                      </p:cBhvr>
+                                      <p:to>
+                                        <p:strVal val="visible"/>
+                                      </p:to>
+                                    </p:set>
+                                    <p:animEffect transition="in" filter="circle(in)">
+                                      <p:cBhvr>
+                                        <p:cTn id="10" dur="3000"/>
+                                        <p:tgtEl>
+                                          <p:spTgt spid="7"/>
+                                        </p:tgtEl>
+                                      </p:cBhvr>
+                                    </p:animEffect>
+                                  </p:childTnLst>
+                                </p:cTn>
+                              </p:par>
+                            </p:childTnLst>
+                          </p:cTn>
+                        </p:par>
+                      </p:childTnLst>
+                    </p:cTn>
+                  </p:par>
+                </p:childTnLst>
+              </p:cTn>
+              <p:prevCondLst>
+                <p:cond evt="onPrev" delay="0">
+                  <p:tgtEl>
+                    <p:sldTgt/>
+                  </p:tgtEl>
+                </p:cond>
+              </p:prevCondLst>
+              <p:nextCondLst>
+                <p:cond evt="onNext" delay="0">
+                  <p:tgtEl>
+                    <p:sldTgt/>
+                  </p:tgtEl>
+                </p:cond>
+              </p:nextCondLst>
+            </p:seq>
+          </p:childTnLst>
+        </p:cTn>
+      </p:par>
+    </p:tnLst>
+  </p:timing>
+</p:sld>
+</file>
+
+<file path=ppt/slides/slide7.xml><?xml version="1.0" encoding="utf-8"?>
+<p:sld xmlns:a="http://schemas.openxmlformats.org/drawingml/2006/main" xmlns:r="http://schemas.openxmlformats.org/officeDocument/2006/relationships" xmlns:p="http://schemas.openxmlformats.org/presentationml/2006/main">
+  <p:cSld>
+    <p:spTree>
+      <p:nvGrpSpPr>
+        <p:cNvPr id="1" name="">
+          <a:extLst>
+            <a:ext uri="{FF2B5EF4-FFF2-40B4-BE49-F238E27FC236}">
+              <a16:creationId xmlns:a16="http://schemas.microsoft.com/office/drawing/2014/main" id="{705C5D5A-504B-17CE-1A00-737CF30C1951}"/>
+            </a:ext>
+          </a:extLst>
+        </p:cNvPr>
+        <p:cNvGrpSpPr/>
+        <p:nvPr/>
+      </p:nvGrpSpPr>
+      <p:grpSpPr>
+        <a:xfrm>
+          <a:off x="0" y="0"/>
+          <a:ext cx="0" cy="0"/>
+          <a:chOff x="0" y="0"/>
+          <a:chExt cx="0" cy="0"/>
+        </a:xfrm>
+      </p:grpSpPr>
+      <p:pic>
+        <p:nvPicPr>
+          <p:cNvPr id="1029" name="Picture 5">
+            <a:extLst>
+              <a:ext uri="{FF2B5EF4-FFF2-40B4-BE49-F238E27FC236}">
+                <a16:creationId xmlns:a16="http://schemas.microsoft.com/office/drawing/2014/main" id="{0E136B58-8C96-0F92-D880-1EC17EABAB35}"/>
+              </a:ext>
+            </a:extLst>
+          </p:cNvPr>
+          <p:cNvPicPr>
+            <a:picLocks noChangeAspect="1" noChangeArrowheads="1"/>
+          </p:cNvPicPr>
+          <p:nvPr/>
+        </p:nvPicPr>
+        <p:blipFill rotWithShape="1">
+          <a:blip r:embed="rId2">
+            <a:extLst>
+              <a:ext uri="{28A0092B-C50C-407E-A947-70E740481C1C}">
+                <a14:useLocalDpi xmlns:a14="http://schemas.microsoft.com/office/drawing/2010/main" val="0"/>
+              </a:ext>
+            </a:extLst>
+          </a:blip>
+          <a:srcRect b="25035"/>
+          <a:stretch/>
+        </p:blipFill>
+        <p:spPr bwMode="auto">
+          <a:xfrm>
+            <a:off x="-198178" y="-66085"/>
+            <a:ext cx="804538" cy="603125"/>
+          </a:xfrm>
+          <a:prstGeom prst="ellipse">
+            <a:avLst/>
+          </a:prstGeom>
+          <a:noFill/>
+          <a:extLst>
+            <a:ext uri="{909E8E84-426E-40DD-AFC4-6F175D3DCCD1}">
+              <a14:hiddenFill xmlns:a14="http://schemas.microsoft.com/office/drawing/2010/main">
+                <a:solidFill>
+                  <a:srgbClr val="FFFFFF"/>
+                </a:solidFill>
+              </a14:hiddenFill>
+            </a:ext>
+          </a:extLst>
+        </p:spPr>
+      </p:pic>
+      <p:pic>
+        <p:nvPicPr>
+          <p:cNvPr id="3" name="purp">
+            <a:extLst>
+              <a:ext uri="{FF2B5EF4-FFF2-40B4-BE49-F238E27FC236}">
+                <a16:creationId xmlns:a16="http://schemas.microsoft.com/office/drawing/2014/main" id="{951074CD-8BDC-6925-5931-C7B4A246DA80}"/>
+              </a:ext>
+            </a:extLst>
+          </p:cNvPr>
+          <p:cNvPicPr>
+            <a:picLocks noChangeAspect="1"/>
+          </p:cNvPicPr>
+          <p:nvPr/>
+        </p:nvPicPr>
+        <p:blipFill>
+          <a:blip r:embed="rId3">
+            <a:extLst>
+              <a:ext uri="{28A0092B-C50C-407E-A947-70E740481C1C}">
+                <a14:useLocalDpi xmlns:a14="http://schemas.microsoft.com/office/drawing/2010/main" val="0"/>
+              </a:ext>
+            </a:extLst>
+          </a:blip>
+          <a:srcRect t="4699" b="4699"/>
+          <a:stretch/>
+        </p:blipFill>
+        <p:spPr>
+          <a:xfrm>
+            <a:off x="52732" y="213190"/>
+            <a:ext cx="274955" cy="323850"/>
+          </a:xfrm>
+          <a:prstGeom prst="ellipse">
+            <a:avLst/>
+          </a:prstGeom>
+        </p:spPr>
+      </p:pic>
+      <p:pic>
+        <p:nvPicPr>
+          <p:cNvPr id="7" name="3">
+            <a:extLst>
+              <a:ext uri="{FF2B5EF4-FFF2-40B4-BE49-F238E27FC236}">
+                <a16:creationId xmlns:a16="http://schemas.microsoft.com/office/drawing/2014/main" id="{1C5DB8C8-D3B6-1368-1862-CFB532DD899C}"/>
+              </a:ext>
+            </a:extLst>
+          </p:cNvPr>
+          <p:cNvPicPr>
+            <a:picLocks noChangeAspect="1" noChangeArrowheads="1"/>
+          </p:cNvPicPr>
+          <p:nvPr/>
+        </p:nvPicPr>
+        <p:blipFill rotWithShape="1">
+          <a:blip r:embed="rId2">
+            <a:alphaModFix amt="70000"/>
+            <a:duotone>
+              <a:schemeClr val="accent2">
+                <a:shade val="45000"/>
+                <a:satMod val="135000"/>
+              </a:schemeClr>
+              <a:prstClr val="white"/>
+            </a:duotone>
+            <a:extLst>
+              <a:ext uri="{28A0092B-C50C-407E-A947-70E740481C1C}">
+                <a14:useLocalDpi xmlns:a14="http://schemas.microsoft.com/office/drawing/2010/main" val="0"/>
+              </a:ext>
+            </a:extLst>
+          </a:blip>
+          <a:srcRect b="25035"/>
+          <a:stretch/>
+        </p:blipFill>
+        <p:spPr bwMode="auto">
+          <a:xfrm flipH="1">
+            <a:off x="-62582" y="127834"/>
+            <a:ext cx="545858" cy="409205"/>
+          </a:xfrm>
+          <a:prstGeom prst="ellipse">
+            <a:avLst/>
+          </a:prstGeom>
+          <a:noFill/>
+          <a:extLst>
+            <a:ext uri="{909E8E84-426E-40DD-AFC4-6F175D3DCCD1}">
+              <a14:hiddenFill xmlns:a14="http://schemas.microsoft.com/office/drawing/2010/main">
+                <a:solidFill>
+                  <a:srgbClr val="FFFFFF"/>
+                </a:solidFill>
+              </a14:hiddenFill>
+            </a:ext>
+          </a:extLst>
+        </p:spPr>
+      </p:pic>
+    </p:spTree>
+    <p:extLst>
+      <p:ext uri="{BB962C8B-B14F-4D97-AF65-F5344CB8AC3E}">
+        <p14:creationId xmlns:p14="http://schemas.microsoft.com/office/powerpoint/2010/main" val="525770428"/>
+      </p:ext>
+    </p:extLst>
+  </p:cSld>
+  <p:clrMapOvr>
+    <a:masterClrMapping/>
+  </p:clrMapOvr>
+  <mc:AlternateContent xmlns:mc="http://schemas.openxmlformats.org/markup-compatibility/2006" xmlns:p14="http://schemas.microsoft.com/office/powerpoint/2010/main">
+    <mc:Choice Requires="p14">
+      <p:transition spd="slow" p14:dur="3000"/>
+    </mc:Choice>
+    <mc:Fallback xmlns="">
+      <p:transition spd="slow"/>
+    </mc:Fallback>
+  </mc:AlternateContent>
+  <p:timing>
+    <p:tnLst>
+      <p:par>
+        <p:cTn id="1" dur="indefinite" restart="never" nodeType="tmRoot">
+          <p:childTnLst>
+            <p:seq concurrent="1" nextAc="seek">
+              <p:cTn id="2" dur="indefinite" nodeType="mainSeq">
+                <p:childTnLst>
+                  <p:par>
+                    <p:cTn id="3" fill="hold">
+                      <p:stCondLst>
+                        <p:cond delay="indefinite"/>
+                      </p:stCondLst>
+                      <p:childTnLst>
+                        <p:par>
+                          <p:cTn id="4" fill="hold">
+                            <p:stCondLst>
+                              <p:cond delay="0"/>
+                            </p:stCondLst>
+                            <p:childTnLst>
+                              <p:par>
+                                <p:cTn id="5" presetID="6" presetClass="entr" presetSubtype="16" fill="hold" nodeType="clickEffect">
+                                  <p:stCondLst>
+                                    <p:cond delay="0"/>
+                                  </p:stCondLst>
+                                  <p:childTnLst>
+                                    <p:set>
+                                      <p:cBhvr>
+                                        <p:cTn id="6" dur="1" fill="hold">
+                                          <p:stCondLst>
+                                            <p:cond delay="0"/>
+                                          </p:stCondLst>
+                                        </p:cTn>
+                                        <p:tgtEl>
+                                          <p:spTgt spid="1029"/>
+                                        </p:tgtEl>
+                                        <p:attrNameLst>
+                                          <p:attrName>style.visibility</p:attrName>
+                                        </p:attrNameLst>
+                                      </p:cBhvr>
+                                      <p:to>
+                                        <p:strVal val="visible"/>
+                                      </p:to>
+                                    </p:set>
+                                    <p:animEffect transition="in" filter="circle(in)">
+                                      <p:cBhvr>
+                                        <p:cTn id="7" dur="700"/>
+                                        <p:tgtEl>
+                                          <p:spTgt spid="1029"/>
+                                        </p:tgtEl>
+                                      </p:cBhvr>
+                                    </p:animEffect>
+                                  </p:childTnLst>
+                                </p:cTn>
+                              </p:par>
+                              <p:par>
+                                <p:cTn id="8" presetID="6" presetClass="entr" presetSubtype="16" fill="hold" nodeType="withEffect">
+                                  <p:stCondLst>
+                                    <p:cond delay="0"/>
+                                  </p:stCondLst>
+                                  <p:childTnLst>
+                                    <p:set>
+                                      <p:cBhvr>
+                                        <p:cTn id="9" dur="1" fill="hold">
+                                          <p:stCondLst>
+                                            <p:cond delay="0"/>
+                                          </p:stCondLst>
+                                        </p:cTn>
+                                        <p:tgtEl>
+                                          <p:spTgt spid="7"/>
+                                        </p:tgtEl>
+                                        <p:attrNameLst>
+                                          <p:attrName>style.visibility</p:attrName>
+                                        </p:attrNameLst>
+                                      </p:cBhvr>
+                                      <p:to>
+                                        <p:strVal val="visible"/>
+                                      </p:to>
+                                    </p:set>
+                                    <p:animEffect transition="in" filter="circle(in)">
+                                      <p:cBhvr>
+                                        <p:cTn id="10" dur="3000"/>
+                                        <p:tgtEl>
+                                          <p:spTgt spid="7"/>
+                                        </p:tgtEl>
+                                      </p:cBhvr>
+                                    </p:animEffect>
+                                  </p:childTnLst>
+                                </p:cTn>
+                              </p:par>
+                            </p:childTnLst>
+                          </p:cTn>
+                        </p:par>
+                      </p:childTnLst>
+                    </p:cTn>
+                  </p:par>
+                </p:childTnLst>
+              </p:cTn>
+              <p:prevCondLst>
+                <p:cond evt="onPrev" delay="0">
+                  <p:tgtEl>
+                    <p:sldTgt/>
+                  </p:tgtEl>
+                </p:cond>
+              </p:prevCondLst>
+              <p:nextCondLst>
+                <p:cond evt="onNext" delay="0">
+                  <p:tgtEl>
+                    <p:sldTgt/>
+                  </p:tgtEl>
+                </p:cond>
+              </p:nextCondLst>
+            </p:seq>
+          </p:childTnLst>
+        </p:cTn>
+      </p:par>
+    </p:tnLst>
+  </p:timing>
+</p:sld>
+</file>
+
+<file path=ppt/slides/slide8.xml><?xml version="1.0" encoding="utf-8"?>
+<p:sld xmlns:a="http://schemas.openxmlformats.org/drawingml/2006/main" xmlns:r="http://schemas.openxmlformats.org/officeDocument/2006/relationships" xmlns:p="http://schemas.openxmlformats.org/presentationml/2006/main">
+  <p:cSld>
+    <p:spTree>
+      <p:nvGrpSpPr>
+        <p:cNvPr id="1" name="">
+          <a:extLst>
+            <a:ext uri="{FF2B5EF4-FFF2-40B4-BE49-F238E27FC236}">
+              <a16:creationId xmlns:a16="http://schemas.microsoft.com/office/drawing/2014/main" id="{2AFF89E0-FCD6-2227-29DB-9F58171F03C2}"/>
+            </a:ext>
+          </a:extLst>
+        </p:cNvPr>
+        <p:cNvGrpSpPr/>
+        <p:nvPr/>
+      </p:nvGrpSpPr>
+      <p:grpSpPr>
+        <a:xfrm>
+          <a:off x="0" y="0"/>
+          <a:ext cx="0" cy="0"/>
+          <a:chOff x="0" y="0"/>
+          <a:chExt cx="0" cy="0"/>
+        </a:xfrm>
+      </p:grpSpPr>
+      <p:pic>
+        <p:nvPicPr>
+          <p:cNvPr id="1029" name="Picture 5">
+            <a:extLst>
+              <a:ext uri="{FF2B5EF4-FFF2-40B4-BE49-F238E27FC236}">
+                <a16:creationId xmlns:a16="http://schemas.microsoft.com/office/drawing/2014/main" id="{D744280B-3BB1-C2D5-B7B4-1C42CC5A93D5}"/>
+              </a:ext>
+            </a:extLst>
+          </p:cNvPr>
+          <p:cNvPicPr>
+            <a:picLocks noChangeAspect="1" noChangeArrowheads="1"/>
+          </p:cNvPicPr>
+          <p:nvPr/>
+        </p:nvPicPr>
+        <p:blipFill rotWithShape="1">
+          <a:blip r:embed="rId2">
+            <a:extLst>
+              <a:ext uri="{28A0092B-C50C-407E-A947-70E740481C1C}">
+                <a14:useLocalDpi xmlns:a14="http://schemas.microsoft.com/office/drawing/2010/main" val="0"/>
+              </a:ext>
+            </a:extLst>
+          </a:blip>
+          <a:srcRect b="25035"/>
+          <a:stretch/>
+        </p:blipFill>
+        <p:spPr bwMode="auto">
+          <a:xfrm>
+            <a:off x="-198178" y="-66085"/>
+            <a:ext cx="804538" cy="603125"/>
+          </a:xfrm>
+          <a:prstGeom prst="ellipse">
+            <a:avLst/>
+          </a:prstGeom>
+          <a:noFill/>
+          <a:extLst>
+            <a:ext uri="{909E8E84-426E-40DD-AFC4-6F175D3DCCD1}">
+              <a14:hiddenFill xmlns:a14="http://schemas.microsoft.com/office/drawing/2010/main">
+                <a:solidFill>
+                  <a:srgbClr val="FFFFFF"/>
+                </a:solidFill>
+              </a14:hiddenFill>
+            </a:ext>
+          </a:extLst>
+        </p:spPr>
+      </p:pic>
+      <p:pic>
+        <p:nvPicPr>
+          <p:cNvPr id="3" name="yell">
+            <a:extLst>
+              <a:ext uri="{FF2B5EF4-FFF2-40B4-BE49-F238E27FC236}">
+                <a16:creationId xmlns:a16="http://schemas.microsoft.com/office/drawing/2014/main" id="{A629FD27-B077-2493-98C3-4D68EDE3A3CE}"/>
+              </a:ext>
+            </a:extLst>
+          </p:cNvPr>
+          <p:cNvPicPr>
+            <a:picLocks noChangeAspect="1"/>
+          </p:cNvPicPr>
+          <p:nvPr/>
+        </p:nvPicPr>
+        <p:blipFill>
+          <a:blip r:embed="rId3">
+            <a:extLst>
+              <a:ext uri="{28A0092B-C50C-407E-A947-70E740481C1C}">
+                <a14:useLocalDpi xmlns:a14="http://schemas.microsoft.com/office/drawing/2010/main" val="0"/>
+              </a:ext>
+            </a:extLst>
+          </a:blip>
+          <a:srcRect t="4699" r="444" b="4699"/>
+          <a:stretch/>
+        </p:blipFill>
+        <p:spPr>
+          <a:xfrm>
+            <a:off x="52732" y="213190"/>
+            <a:ext cx="273733" cy="323850"/>
+          </a:xfrm>
+          <a:prstGeom prst="ellipse">
+            <a:avLst/>
+          </a:prstGeom>
+        </p:spPr>
+      </p:pic>
+      <p:pic>
+        <p:nvPicPr>
+          <p:cNvPr id="7" name="3">
+            <a:extLst>
+              <a:ext uri="{FF2B5EF4-FFF2-40B4-BE49-F238E27FC236}">
+                <a16:creationId xmlns:a16="http://schemas.microsoft.com/office/drawing/2014/main" id="{2DFF5782-696B-0DFD-827E-2149D2477258}"/>
+              </a:ext>
+            </a:extLst>
+          </p:cNvPr>
+          <p:cNvPicPr>
+            <a:picLocks noChangeAspect="1" noChangeArrowheads="1"/>
+          </p:cNvPicPr>
+          <p:nvPr/>
+        </p:nvPicPr>
+        <p:blipFill rotWithShape="1">
+          <a:blip r:embed="rId2">
+            <a:alphaModFix amt="70000"/>
+            <a:duotone>
+              <a:schemeClr val="accent2">
+                <a:shade val="45000"/>
+                <a:satMod val="135000"/>
+              </a:schemeClr>
+              <a:prstClr val="white"/>
+            </a:duotone>
+            <a:extLst>
+              <a:ext uri="{28A0092B-C50C-407E-A947-70E740481C1C}">
+                <a14:useLocalDpi xmlns:a14="http://schemas.microsoft.com/office/drawing/2010/main" val="0"/>
+              </a:ext>
+            </a:extLst>
+          </a:blip>
+          <a:srcRect b="25035"/>
+          <a:stretch/>
+        </p:blipFill>
+        <p:spPr bwMode="auto">
+          <a:xfrm flipH="1">
+            <a:off x="-62582" y="127834"/>
+            <a:ext cx="545858" cy="409205"/>
+          </a:xfrm>
+          <a:prstGeom prst="ellipse">
+            <a:avLst/>
+          </a:prstGeom>
+          <a:noFill/>
+          <a:extLst>
+            <a:ext uri="{909E8E84-426E-40DD-AFC4-6F175D3DCCD1}">
+              <a14:hiddenFill xmlns:a14="http://schemas.microsoft.com/office/drawing/2010/main">
+                <a:solidFill>
+                  <a:srgbClr val="FFFFFF"/>
+                </a:solidFill>
+              </a14:hiddenFill>
+            </a:ext>
+          </a:extLst>
+        </p:spPr>
+      </p:pic>
+    </p:spTree>
+    <p:extLst>
+      <p:ext uri="{BB962C8B-B14F-4D97-AF65-F5344CB8AC3E}">
+        <p14:creationId xmlns:p14="http://schemas.microsoft.com/office/powerpoint/2010/main" val="3219146219"/>
+      </p:ext>
+    </p:extLst>
+  </p:cSld>
+  <p:clrMapOvr>
+    <a:masterClrMapping/>
+  </p:clrMapOvr>
+  <mc:AlternateContent xmlns:mc="http://schemas.openxmlformats.org/markup-compatibility/2006" xmlns:p14="http://schemas.microsoft.com/office/powerpoint/2010/main">
+    <mc:Choice Requires="p14">
+      <p:transition spd="slow" p14:dur="3000"/>
+    </mc:Choice>
+    <mc:Fallback xmlns="">
+      <p:transition spd="slow"/>
+    </mc:Fallback>
+  </mc:AlternateContent>
+  <p:timing>
+    <p:tnLst>
+      <p:par>
+        <p:cTn id="1" dur="indefinite" restart="never" nodeType="tmRoot">
+          <p:childTnLst>
+            <p:seq concurrent="1" nextAc="seek">
+              <p:cTn id="2" dur="indefinite" nodeType="mainSeq">
+                <p:childTnLst>
+                  <p:par>
+                    <p:cTn id="3" fill="hold">
+                      <p:stCondLst>
+                        <p:cond delay="indefinite"/>
+                      </p:stCondLst>
+                      <p:childTnLst>
+                        <p:par>
+                          <p:cTn id="4" fill="hold">
+                            <p:stCondLst>
+                              <p:cond delay="0"/>
+                            </p:stCondLst>
+                            <p:childTnLst>
+                              <p:par>
+                                <p:cTn id="5" presetID="6" presetClass="entr" presetSubtype="16" fill="hold" nodeType="clickEffect">
+                                  <p:stCondLst>
+                                    <p:cond delay="0"/>
+                                  </p:stCondLst>
+                                  <p:childTnLst>
+                                    <p:set>
+                                      <p:cBhvr>
+                                        <p:cTn id="6" dur="1" fill="hold">
+                                          <p:stCondLst>
+                                            <p:cond delay="0"/>
+                                          </p:stCondLst>
+                                        </p:cTn>
+                                        <p:tgtEl>
+                                          <p:spTgt spid="1029"/>
+                                        </p:tgtEl>
+                                        <p:attrNameLst>
+                                          <p:attrName>style.visibility</p:attrName>
+                                        </p:attrNameLst>
+                                      </p:cBhvr>
+                                      <p:to>
+                                        <p:strVal val="visible"/>
+                                      </p:to>
+                                    </p:set>
+                                    <p:animEffect transition="in" filter="circle(in)">
+                                      <p:cBhvr>
+                                        <p:cTn id="7" dur="700"/>
+                                        <p:tgtEl>
+                                          <p:spTgt spid="1029"/>
+                                        </p:tgtEl>
+                                      </p:cBhvr>
+                                    </p:animEffect>
+                                  </p:childTnLst>
+                                </p:cTn>
+                              </p:par>
+                              <p:par>
+                                <p:cTn id="8" presetID="6" presetClass="entr" presetSubtype="16" fill="hold" nodeType="withEffect">
+                                  <p:stCondLst>
+                                    <p:cond delay="0"/>
+                                  </p:stCondLst>
+                                  <p:childTnLst>
+                                    <p:set>
+                                      <p:cBhvr>
+                                        <p:cTn id="9" dur="1" fill="hold">
+                                          <p:stCondLst>
+                                            <p:cond delay="0"/>
+                                          </p:stCondLst>
+                                        </p:cTn>
+                                        <p:tgtEl>
+                                          <p:spTgt spid="7"/>
+                                        </p:tgtEl>
+                                        <p:attrNameLst>
+                                          <p:attrName>style.visibility</p:attrName>
+                                        </p:attrNameLst>
+                                      </p:cBhvr>
+                                      <p:to>
+                                        <p:strVal val="visible"/>
+                                      </p:to>
+                                    </p:set>
+                                    <p:animEffect transition="in" filter="circle(in)">
+                                      <p:cBhvr>
+                                        <p:cTn id="10" dur="3000"/>
+                                        <p:tgtEl>
+                                          <p:spTgt spid="7"/>
+                                        </p:tgtEl>
+                                      </p:cBhvr>
+                                    </p:animEffect>
+                                  </p:childTnLst>
+                                </p:cTn>
+                              </p:par>
+                            </p:childTnLst>
+                          </p:cTn>
+                        </p:par>
+                      </p:childTnLst>
+                    </p:cTn>
+                  </p:par>
+                </p:childTnLst>
+              </p:cTn>
+              <p:prevCondLst>
+                <p:cond evt="onPrev" delay="0">
+                  <p:tgtEl>
+                    <p:sldTgt/>
+                  </p:tgtEl>
+                </p:cond>
+              </p:prevCondLst>
+              <p:nextCondLst>
+                <p:cond evt="onNext" delay="0">
+                  <p:tgtEl>
+                    <p:sldTgt/>
+                  </p:tgtEl>
+                </p:cond>
+              </p:nextCondLst>
+            </p:seq>
+          </p:childTnLst>
+        </p:cTn>
+      </p:par>
+    </p:tnLst>
+  </p:timing>
 </p:sld>
 </file>
 

--- a/3d models/ppt/__Aflame.pptx
+++ b/3d models/ppt/__Aflame.pptx
@@ -3355,13 +3355,13 @@
               </a:ext>
             </a:extLst>
           </a:blip>
-          <a:srcRect b="25035"/>
+          <a:srcRect l="34637" t="466" r="34176" b="24569"/>
           <a:stretch/>
         </p:blipFill>
         <p:spPr bwMode="auto">
           <a:xfrm>
-            <a:off x="-198178" y="-66085"/>
-            <a:ext cx="804538" cy="603125"/>
+            <a:off x="36178" y="-312912"/>
+            <a:ext cx="324184" cy="757412"/>
           </a:xfrm>
           <a:prstGeom prst="ellipse">
             <a:avLst/>
@@ -3380,10 +3380,10 @@
       </p:pic>
       <p:pic>
         <p:nvPicPr>
-          <p:cNvPr id="3" name="gray">
+          <p:cNvPr id="5" name="Picture 4">
             <a:extLst>
               <a:ext uri="{FF2B5EF4-FFF2-40B4-BE49-F238E27FC236}">
-                <a16:creationId xmlns:a16="http://schemas.microsoft.com/office/drawing/2014/main" id="{EDD58BFB-01FF-4036-1057-7FB5E41A364D}"/>
+                <a16:creationId xmlns:a16="http://schemas.microsoft.com/office/drawing/2014/main" id="{67DDEF47-5374-FB51-A63A-B4FAAF2A147E}"/>
               </a:ext>
             </a:extLst>
           </p:cNvPr>
@@ -3400,15 +3400,16 @@
               </a:ext>
             </a:extLst>
           </a:blip>
-          <a:srcRect t="4699" b="4699"/>
-          <a:stretch/>
+          <a:stretch>
+            <a:fillRect/>
+          </a:stretch>
         </p:blipFill>
         <p:spPr>
           <a:xfrm>
-            <a:off x="52732" y="213190"/>
-            <a:ext cx="274955" cy="323850"/>
+            <a:off x="46352" y="152568"/>
+            <a:ext cx="285750" cy="371475"/>
           </a:xfrm>
-          <a:prstGeom prst="ellipse">
+          <a:prstGeom prst="rect">
             <a:avLst/>
           </a:prstGeom>
         </p:spPr>
@@ -3443,13 +3444,66 @@
               </a:ext>
             </a:extLst>
           </a:blip>
-          <a:srcRect b="25035"/>
+          <a:srcRect l="39994" t="3561" r="30707" b="21473"/>
           <a:stretch/>
         </p:blipFill>
         <p:spPr bwMode="auto">
-          <a:xfrm flipH="1">
-            <a:off x="-62582" y="127834"/>
-            <a:ext cx="545858" cy="409205"/>
+          <a:xfrm rot="19844250" flipH="1">
+            <a:off x="174940" y="370469"/>
+            <a:ext cx="115232" cy="178621"/>
+          </a:xfrm>
+          <a:prstGeom prst="ellipse">
+            <a:avLst/>
+          </a:prstGeom>
+          <a:noFill/>
+          <a:extLst>
+            <a:ext uri="{909E8E84-426E-40DD-AFC4-6F175D3DCCD1}">
+              <a14:hiddenFill xmlns:a14="http://schemas.microsoft.com/office/drawing/2010/main">
+                <a:solidFill>
+                  <a:srgbClr val="FFFFFF"/>
+                </a:solidFill>
+              </a14:hiddenFill>
+            </a:ext>
+          </a:extLst>
+        </p:spPr>
+      </p:pic>
+      <p:pic>
+        <p:nvPicPr>
+          <p:cNvPr id="2" name="3">
+            <a:extLst>
+              <a:ext uri="{FF2B5EF4-FFF2-40B4-BE49-F238E27FC236}">
+                <a16:creationId xmlns:a16="http://schemas.microsoft.com/office/drawing/2014/main" id="{C38FD3BB-A151-EFE1-266E-B6E90001A5A5}"/>
+              </a:ext>
+            </a:extLst>
+          </p:cNvPr>
+          <p:cNvPicPr>
+            <a:picLocks noChangeAspect="1" noChangeArrowheads="1"/>
+          </p:cNvPicPr>
+          <p:nvPr/>
+        </p:nvPicPr>
+        <p:blipFill rotWithShape="1">
+          <a:blip r:embed="rId2">
+            <a:alphaModFix amt="70000"/>
+            <a:duotone>
+              <a:schemeClr val="accent2">
+                <a:shade val="45000"/>
+                <a:satMod val="135000"/>
+              </a:schemeClr>
+              <a:prstClr val="white"/>
+            </a:duotone>
+            <a:extLst>
+              <a:ext uri="{28A0092B-C50C-407E-A947-70E740481C1C}">
+                <a14:useLocalDpi xmlns:a14="http://schemas.microsoft.com/office/drawing/2010/main" val="0"/>
+              </a:ext>
+            </a:extLst>
+          </a:blip>
+          <a:srcRect l="39994" t="3561" r="30707" b="21473"/>
+          <a:stretch/>
+        </p:blipFill>
+        <p:spPr bwMode="auto">
+          <a:xfrm rot="2224304" flipH="1">
+            <a:off x="75757" y="281608"/>
+            <a:ext cx="142007" cy="245332"/>
           </a:xfrm>
           <a:prstGeom prst="ellipse">
             <a:avLst/>
@@ -3496,6 +3550,9 @@
                     <p:cTn id="3" fill="hold">
                       <p:stCondLst>
                         <p:cond delay="indefinite"/>
+                        <p:cond evt="onBegin" delay="0">
+                          <p:tn val="2"/>
+                        </p:cond>
                       </p:stCondLst>
                       <p:childTnLst>
                         <p:par>
@@ -3505,7 +3562,7 @@
                             </p:stCondLst>
                             <p:childTnLst>
                               <p:par>
-                                <p:cTn id="5" presetID="6" presetClass="entr" presetSubtype="16" fill="hold" nodeType="clickEffect">
+                                <p:cTn id="5" presetID="6" presetClass="entr" presetSubtype="16" fill="hold" nodeType="withEffect">
                                   <p:stCondLst>
                                     <p:cond delay="0"/>
                                   </p:stCondLst>
@@ -3568,6 +3625,41 @@
                                         <p:cTn id="10" dur="3000"/>
                                         <p:tgtEl>
                                           <p:spTgt spid="7"/>
+                                        </p:tgtEl>
+                                      </p:cBhvr>
+                                    </p:animEffect>
+                                  </p:childTnLst>
+                                </p:cTn>
+                              </p:par>
+                              <p:par>
+                                <p:cTn id="11" presetID="6" presetClass="entr" presetSubtype="16" fill="hold" nodeType="withEffect">
+                                  <p:stCondLst>
+                                    <p:cond delay="0"/>
+                                  </p:stCondLst>
+                                  <p:childTnLst>
+                                    <p:set>
+                                      <p:cBhvr>
+                                        <p:cTn id="12" dur="1" fill="hold">
+                                          <p:stCondLst>
+                                            <p:cond delay="0"/>
+                                          </p:stCondLst>
+                                        </p:cTn>
+                                        <p:tgtEl>
+                                          <p:spTgt spid="2"/>
+                                        </p:tgtEl>
+                                        <p:attrNameLst>
+                                          <p:attrName>style.visibility</p:attrName>
+                                        </p:attrNameLst>
+                                      </p:cBhvr>
+                                      <p:to>
+                                        <p:strVal val="visible"/>
+                                      </p:to>
+                                    </p:set>
+                                    <p:animEffect transition="in" filter="circle(in)">
+                                      <p:cBhvr>
+                                        <p:cTn id="13" dur="3000"/>
+                                        <p:tgtEl>
+                                          <p:spTgt spid="2"/>
                                         </p:tgtEl>
                                       </p:cBhvr>
                                     </p:animEffect>

--- a/3d models/ppt/__Aflame.pptx
+++ b/3d models/ppt/__Aflame.pptx
@@ -3380,7 +3380,7 @@
       </p:pic>
       <p:pic>
         <p:nvPicPr>
-          <p:cNvPr id="5" name="Picture 4">
+          <p:cNvPr id="5" name="char">
             <a:extLst>
               <a:ext uri="{FF2B5EF4-FFF2-40B4-BE49-F238E27FC236}">
                 <a16:creationId xmlns:a16="http://schemas.microsoft.com/office/drawing/2014/main" id="{67DDEF47-5374-FB51-A63A-B4FAAF2A147E}"/>
@@ -3400,14 +3400,13 @@
               </a:ext>
             </a:extLst>
           </a:blip>
-          <a:stretch>
-            <a:fillRect/>
-          </a:stretch>
+          <a:srcRect l="222" r="222"/>
+          <a:stretch/>
         </p:blipFill>
         <p:spPr>
           <a:xfrm>
             <a:off x="46352" y="152568"/>
-            <a:ext cx="285750" cy="371475"/>
+            <a:ext cx="284480" cy="371475"/>
           </a:xfrm>
           <a:prstGeom prst="rect">
             <a:avLst/>
